--- a/P5_05_Presentation.pptx
+++ b/P5_05_Presentation.pptx
@@ -288,7 +288,7 @@
           <a:p>
             <a:fld id="{7F22508A-905F-4345-BD66-372636CDC739}" type="datetimeFigureOut">
               <a:rPr lang="fr-FR" smtClean="0"/>
-              <a:t>07/07/2021</a:t>
+              <a:t>08/07/2021</a:t>
             </a:fld>
             <a:endParaRPr lang="fr-FR"/>
           </a:p>
@@ -486,7 +486,7 @@
           <a:p>
             <a:fld id="{7F22508A-905F-4345-BD66-372636CDC739}" type="datetimeFigureOut">
               <a:rPr lang="fr-FR" smtClean="0"/>
-              <a:t>07/07/2021</a:t>
+              <a:t>08/07/2021</a:t>
             </a:fld>
             <a:endParaRPr lang="fr-FR"/>
           </a:p>
@@ -694,7 +694,7 @@
           <a:p>
             <a:fld id="{7F22508A-905F-4345-BD66-372636CDC739}" type="datetimeFigureOut">
               <a:rPr lang="fr-FR" smtClean="0"/>
-              <a:t>07/07/2021</a:t>
+              <a:t>08/07/2021</a:t>
             </a:fld>
             <a:endParaRPr lang="fr-FR"/>
           </a:p>
@@ -892,7 +892,7 @@
           <a:p>
             <a:fld id="{7F22508A-905F-4345-BD66-372636CDC739}" type="datetimeFigureOut">
               <a:rPr lang="fr-FR" smtClean="0"/>
-              <a:t>07/07/2021</a:t>
+              <a:t>08/07/2021</a:t>
             </a:fld>
             <a:endParaRPr lang="fr-FR"/>
           </a:p>
@@ -1167,7 +1167,7 @@
           <a:p>
             <a:fld id="{7F22508A-905F-4345-BD66-372636CDC739}" type="datetimeFigureOut">
               <a:rPr lang="fr-FR" smtClean="0"/>
-              <a:t>07/07/2021</a:t>
+              <a:t>08/07/2021</a:t>
             </a:fld>
             <a:endParaRPr lang="fr-FR"/>
           </a:p>
@@ -1432,7 +1432,7 @@
           <a:p>
             <a:fld id="{7F22508A-905F-4345-BD66-372636CDC739}" type="datetimeFigureOut">
               <a:rPr lang="fr-FR" smtClean="0"/>
-              <a:t>07/07/2021</a:t>
+              <a:t>08/07/2021</a:t>
             </a:fld>
             <a:endParaRPr lang="fr-FR"/>
           </a:p>
@@ -1844,7 +1844,7 @@
           <a:p>
             <a:fld id="{7F22508A-905F-4345-BD66-372636CDC739}" type="datetimeFigureOut">
               <a:rPr lang="fr-FR" smtClean="0"/>
-              <a:t>07/07/2021</a:t>
+              <a:t>08/07/2021</a:t>
             </a:fld>
             <a:endParaRPr lang="fr-FR"/>
           </a:p>
@@ -1985,7 +1985,7 @@
           <a:p>
             <a:fld id="{7F22508A-905F-4345-BD66-372636CDC739}" type="datetimeFigureOut">
               <a:rPr lang="fr-FR" smtClean="0"/>
-              <a:t>07/07/2021</a:t>
+              <a:t>08/07/2021</a:t>
             </a:fld>
             <a:endParaRPr lang="fr-FR"/>
           </a:p>
@@ -2098,7 +2098,7 @@
           <a:p>
             <a:fld id="{7F22508A-905F-4345-BD66-372636CDC739}" type="datetimeFigureOut">
               <a:rPr lang="fr-FR" smtClean="0"/>
-              <a:t>07/07/2021</a:t>
+              <a:t>08/07/2021</a:t>
             </a:fld>
             <a:endParaRPr lang="fr-FR"/>
           </a:p>
@@ -2409,7 +2409,7 @@
           <a:p>
             <a:fld id="{7F22508A-905F-4345-BD66-372636CDC739}" type="datetimeFigureOut">
               <a:rPr lang="fr-FR" smtClean="0"/>
-              <a:t>07/07/2021</a:t>
+              <a:t>08/07/2021</a:t>
             </a:fld>
             <a:endParaRPr lang="fr-FR"/>
           </a:p>
@@ -2697,7 +2697,7 @@
           <a:p>
             <a:fld id="{7F22508A-905F-4345-BD66-372636CDC739}" type="datetimeFigureOut">
               <a:rPr lang="fr-FR" smtClean="0"/>
-              <a:t>07/07/2021</a:t>
+              <a:t>08/07/2021</a:t>
             </a:fld>
             <a:endParaRPr lang="fr-FR"/>
           </a:p>
@@ -2938,7 +2938,7 @@
           <a:p>
             <a:fld id="{7F22508A-905F-4345-BD66-372636CDC739}" type="datetimeFigureOut">
               <a:rPr lang="fr-FR" smtClean="0"/>
-              <a:t>07/07/2021</a:t>
+              <a:t>08/07/2021</a:t>
             </a:fld>
             <a:endParaRPr lang="fr-FR"/>
           </a:p>
@@ -11388,12 +11388,123 @@
           </a:prstGeom>
         </p:spPr>
       </p:pic>
+      <p:sp>
+        <p:nvSpPr>
+          <p:cNvPr id="7" name="ZoneTexte 6">
+            <a:extLst>
+              <a:ext uri="{FF2B5EF4-FFF2-40B4-BE49-F238E27FC236}">
+                <a16:creationId xmlns:a16="http://schemas.microsoft.com/office/drawing/2014/main" id="{4EBD9A5D-ABFD-4E0A-9102-DA7719FFFEA6}"/>
+              </a:ext>
+            </a:extLst>
+          </p:cNvPr>
+          <p:cNvSpPr txBox="1"/>
+          <p:nvPr/>
+        </p:nvSpPr>
+        <p:spPr>
+          <a:xfrm>
+            <a:off x="1825022" y="5509565"/>
+            <a:ext cx="2418090" cy="400110"/>
+          </a:xfrm>
+          <a:prstGeom prst="rect">
+            <a:avLst/>
+          </a:prstGeom>
+          <a:noFill/>
+        </p:spPr>
+        <p:txBody>
+          <a:bodyPr wrap="square" rtlCol="0">
+            <a:spAutoFit/>
+          </a:bodyPr>
+          <a:lstStyle/>
+          <a:p>
+            <a:r>
+              <a:rPr lang="fr-FR" sz="2000" b="1" dirty="0"/>
+              <a:t>Cas d’utilisation</a:t>
+            </a:r>
+          </a:p>
+        </p:txBody>
+      </p:sp>
+      <p:sp>
+        <p:nvSpPr>
+          <p:cNvPr id="9" name="ZoneTexte 8">
+            <a:extLst>
+              <a:ext uri="{FF2B5EF4-FFF2-40B4-BE49-F238E27FC236}">
+                <a16:creationId xmlns:a16="http://schemas.microsoft.com/office/drawing/2014/main" id="{7BD64062-F079-434D-AD0C-324C8DF8E800}"/>
+              </a:ext>
+            </a:extLst>
+          </p:cNvPr>
+          <p:cNvSpPr txBox="1"/>
+          <p:nvPr/>
+        </p:nvSpPr>
+        <p:spPr>
+          <a:xfrm>
+            <a:off x="8400352" y="753877"/>
+            <a:ext cx="3162731" cy="707886"/>
+          </a:xfrm>
+          <a:prstGeom prst="rect">
+            <a:avLst/>
+          </a:prstGeom>
+          <a:noFill/>
+        </p:spPr>
+        <p:txBody>
+          <a:bodyPr wrap="square" rtlCol="0">
+            <a:spAutoFit/>
+          </a:bodyPr>
+          <a:lstStyle/>
+          <a:p>
+            <a:r>
+              <a:rPr lang="fr-FR" sz="2000" b="1" dirty="0"/>
+              <a:t>Diagramme relationnel théorique</a:t>
+            </a:r>
+          </a:p>
+        </p:txBody>
+      </p:sp>
+      <p:sp>
+        <p:nvSpPr>
+          <p:cNvPr id="10" name="ZoneTexte 9">
+            <a:extLst>
+              <a:ext uri="{FF2B5EF4-FFF2-40B4-BE49-F238E27FC236}">
+                <a16:creationId xmlns:a16="http://schemas.microsoft.com/office/drawing/2014/main" id="{48440872-C42C-46C1-A6A1-25BC5A06DCD7}"/>
+              </a:ext>
+            </a:extLst>
+          </p:cNvPr>
+          <p:cNvSpPr txBox="1"/>
+          <p:nvPr/>
+        </p:nvSpPr>
+        <p:spPr>
+          <a:xfrm>
+            <a:off x="8313633" y="3558793"/>
+            <a:ext cx="2672090" cy="707886"/>
+          </a:xfrm>
+          <a:prstGeom prst="rect">
+            <a:avLst/>
+          </a:prstGeom>
+          <a:noFill/>
+        </p:spPr>
+        <p:txBody>
+          <a:bodyPr wrap="square" rtlCol="0">
+            <a:spAutoFit/>
+          </a:bodyPr>
+          <a:lstStyle/>
+          <a:p>
+            <a:r>
+              <a:rPr lang="fr-FR" sz="2000" b="1" dirty="0"/>
+              <a:t>Diagramme relationnel</a:t>
+            </a:r>
+          </a:p>
+          <a:p>
+            <a:r>
+              <a:rPr lang="fr-FR" sz="2000" b="1" dirty="0"/>
+              <a:t>utilisé</a:t>
+            </a:r>
+          </a:p>
+        </p:txBody>
+      </p:sp>
       <p:pic>
         <p:nvPicPr>
-          <p:cNvPr id="3" name="Image 2">
-            <a:extLst>
-              <a:ext uri="{FF2B5EF4-FFF2-40B4-BE49-F238E27FC236}">
-                <a16:creationId xmlns:a16="http://schemas.microsoft.com/office/drawing/2014/main" id="{D11C02D5-52E0-4FAA-8F9A-7C5AA1335B7D}"/>
+          <p:cNvPr id="11" name="Image 10">
+            <a:extLst>
+              <a:ext uri="{FF2B5EF4-FFF2-40B4-BE49-F238E27FC236}">
+                <a16:creationId xmlns:a16="http://schemas.microsoft.com/office/drawing/2014/main" id="{1E409C41-DC45-4E00-B7D2-D4974041F6A3}"/>
               </a:ext>
             </a:extLst>
           </p:cNvPr>
@@ -11416,7 +11527,43 @@
         </p:blipFill>
         <p:spPr>
           <a:xfrm>
-            <a:off x="7297341" y="2996309"/>
+            <a:off x="7454153" y="4509012"/>
+            <a:ext cx="4123952" cy="1749556"/>
+          </a:xfrm>
+          <a:prstGeom prst="rect">
+            <a:avLst/>
+          </a:prstGeom>
+        </p:spPr>
+      </p:pic>
+      <p:pic>
+        <p:nvPicPr>
+          <p:cNvPr id="13" name="Image 12">
+            <a:extLst>
+              <a:ext uri="{FF2B5EF4-FFF2-40B4-BE49-F238E27FC236}">
+                <a16:creationId xmlns:a16="http://schemas.microsoft.com/office/drawing/2014/main" id="{4FD38A01-15E9-4563-B137-FB18FAF63E92}"/>
+              </a:ext>
+            </a:extLst>
+          </p:cNvPr>
+          <p:cNvPicPr>
+            <a:picLocks noChangeAspect="1"/>
+          </p:cNvPicPr>
+          <p:nvPr/>
+        </p:nvPicPr>
+        <p:blipFill>
+          <a:blip r:embed="rId5">
+            <a:extLst>
+              <a:ext uri="{28A0092B-C50C-407E-A947-70E740481C1C}">
+                <a14:useLocalDpi xmlns:a14="http://schemas.microsoft.com/office/drawing/2010/main" val="0"/>
+              </a:ext>
+            </a:extLst>
+          </a:blip>
+          <a:stretch>
+            <a:fillRect/>
+          </a:stretch>
+        </p:blipFill>
+        <p:spPr>
+          <a:xfrm>
+            <a:off x="7454153" y="1852422"/>
             <a:ext cx="4123952" cy="1167386"/>
           </a:xfrm>
           <a:prstGeom prst="rect">
@@ -11546,10 +11693,10 @@
       </p:pic>
       <p:pic>
         <p:nvPicPr>
-          <p:cNvPr id="3" name="Image 2">
-            <a:extLst>
-              <a:ext uri="{FF2B5EF4-FFF2-40B4-BE49-F238E27FC236}">
-                <a16:creationId xmlns:a16="http://schemas.microsoft.com/office/drawing/2014/main" id="{E60A3AC1-7D2D-44A0-B124-076DC02310D7}"/>
+          <p:cNvPr id="4" name="Image 3" descr="Une image contenant nuit, sombre&#10;&#10;Description générée automatiquement">
+            <a:extLst>
+              <a:ext uri="{FF2B5EF4-FFF2-40B4-BE49-F238E27FC236}">
+                <a16:creationId xmlns:a16="http://schemas.microsoft.com/office/drawing/2014/main" id="{37CE4D1D-0024-407B-9374-F784DD60DDB2}"/>
               </a:ext>
             </a:extLst>
           </p:cNvPr>
@@ -11572,14 +11719,55 @@
         </p:blipFill>
         <p:spPr>
           <a:xfrm>
-            <a:off x="925868" y="398624"/>
-            <a:ext cx="10457709" cy="6312421"/>
+            <a:off x="1027651" y="214877"/>
+            <a:ext cx="10424181" cy="6428245"/>
           </a:xfrm>
           <a:prstGeom prst="rect">
             <a:avLst/>
           </a:prstGeom>
         </p:spPr>
       </p:pic>
+      <p:sp>
+        <p:nvSpPr>
+          <p:cNvPr id="7" name="ZoneTexte 6">
+            <a:extLst>
+              <a:ext uri="{FF2B5EF4-FFF2-40B4-BE49-F238E27FC236}">
+                <a16:creationId xmlns:a16="http://schemas.microsoft.com/office/drawing/2014/main" id="{19958E9A-7A20-4522-8A1D-FA003349C58F}"/>
+              </a:ext>
+            </a:extLst>
+          </p:cNvPr>
+          <p:cNvSpPr txBox="1"/>
+          <p:nvPr/>
+        </p:nvSpPr>
+        <p:spPr>
+          <a:xfrm>
+            <a:off x="661872" y="5491366"/>
+            <a:ext cx="2418090" cy="707886"/>
+          </a:xfrm>
+          <a:prstGeom prst="rect">
+            <a:avLst/>
+          </a:prstGeom>
+          <a:noFill/>
+        </p:spPr>
+        <p:txBody>
+          <a:bodyPr wrap="square" rtlCol="0">
+            <a:spAutoFit/>
+          </a:bodyPr>
+          <a:lstStyle/>
+          <a:p>
+            <a:r>
+              <a:rPr lang="fr-FR" sz="2000" b="1" dirty="0"/>
+              <a:t>Diagramme de </a:t>
+            </a:r>
+          </a:p>
+          <a:p>
+            <a:r>
+              <a:rPr lang="fr-FR" sz="2000" b="1" dirty="0"/>
+              <a:t>classes</a:t>
+            </a:r>
+          </a:p>
+        </p:txBody>
+      </p:sp>
     </p:spTree>
     <p:extLst>
       <p:ext uri="{BB962C8B-B14F-4D97-AF65-F5344CB8AC3E}">

--- a/P5_05_Presentation.pptx
+++ b/P5_05_Presentation.pptx
@@ -288,7 +288,7 @@
           <a:p>
             <a:fld id="{7F22508A-905F-4345-BD66-372636CDC739}" type="datetimeFigureOut">
               <a:rPr lang="fr-FR" smtClean="0"/>
-              <a:t>08/07/2021</a:t>
+              <a:t>09/07/2021</a:t>
             </a:fld>
             <a:endParaRPr lang="fr-FR"/>
           </a:p>
@@ -486,7 +486,7 @@
           <a:p>
             <a:fld id="{7F22508A-905F-4345-BD66-372636CDC739}" type="datetimeFigureOut">
               <a:rPr lang="fr-FR" smtClean="0"/>
-              <a:t>08/07/2021</a:t>
+              <a:t>09/07/2021</a:t>
             </a:fld>
             <a:endParaRPr lang="fr-FR"/>
           </a:p>
@@ -694,7 +694,7 @@
           <a:p>
             <a:fld id="{7F22508A-905F-4345-BD66-372636CDC739}" type="datetimeFigureOut">
               <a:rPr lang="fr-FR" smtClean="0"/>
-              <a:t>08/07/2021</a:t>
+              <a:t>09/07/2021</a:t>
             </a:fld>
             <a:endParaRPr lang="fr-FR"/>
           </a:p>
@@ -892,7 +892,7 @@
           <a:p>
             <a:fld id="{7F22508A-905F-4345-BD66-372636CDC739}" type="datetimeFigureOut">
               <a:rPr lang="fr-FR" smtClean="0"/>
-              <a:t>08/07/2021</a:t>
+              <a:t>09/07/2021</a:t>
             </a:fld>
             <a:endParaRPr lang="fr-FR"/>
           </a:p>
@@ -1167,7 +1167,7 @@
           <a:p>
             <a:fld id="{7F22508A-905F-4345-BD66-372636CDC739}" type="datetimeFigureOut">
               <a:rPr lang="fr-FR" smtClean="0"/>
-              <a:t>08/07/2021</a:t>
+              <a:t>09/07/2021</a:t>
             </a:fld>
             <a:endParaRPr lang="fr-FR"/>
           </a:p>
@@ -1432,7 +1432,7 @@
           <a:p>
             <a:fld id="{7F22508A-905F-4345-BD66-372636CDC739}" type="datetimeFigureOut">
               <a:rPr lang="fr-FR" smtClean="0"/>
-              <a:t>08/07/2021</a:t>
+              <a:t>09/07/2021</a:t>
             </a:fld>
             <a:endParaRPr lang="fr-FR"/>
           </a:p>
@@ -1844,7 +1844,7 @@
           <a:p>
             <a:fld id="{7F22508A-905F-4345-BD66-372636CDC739}" type="datetimeFigureOut">
               <a:rPr lang="fr-FR" smtClean="0"/>
-              <a:t>08/07/2021</a:t>
+              <a:t>09/07/2021</a:t>
             </a:fld>
             <a:endParaRPr lang="fr-FR"/>
           </a:p>
@@ -1985,7 +1985,7 @@
           <a:p>
             <a:fld id="{7F22508A-905F-4345-BD66-372636CDC739}" type="datetimeFigureOut">
               <a:rPr lang="fr-FR" smtClean="0"/>
-              <a:t>08/07/2021</a:t>
+              <a:t>09/07/2021</a:t>
             </a:fld>
             <a:endParaRPr lang="fr-FR"/>
           </a:p>
@@ -2098,7 +2098,7 @@
           <a:p>
             <a:fld id="{7F22508A-905F-4345-BD66-372636CDC739}" type="datetimeFigureOut">
               <a:rPr lang="fr-FR" smtClean="0"/>
-              <a:t>08/07/2021</a:t>
+              <a:t>09/07/2021</a:t>
             </a:fld>
             <a:endParaRPr lang="fr-FR"/>
           </a:p>
@@ -2409,7 +2409,7 @@
           <a:p>
             <a:fld id="{7F22508A-905F-4345-BD66-372636CDC739}" type="datetimeFigureOut">
               <a:rPr lang="fr-FR" smtClean="0"/>
-              <a:t>08/07/2021</a:t>
+              <a:t>09/07/2021</a:t>
             </a:fld>
             <a:endParaRPr lang="fr-FR"/>
           </a:p>
@@ -2697,7 +2697,7 @@
           <a:p>
             <a:fld id="{7F22508A-905F-4345-BD66-372636CDC739}" type="datetimeFigureOut">
               <a:rPr lang="fr-FR" smtClean="0"/>
-              <a:t>08/07/2021</a:t>
+              <a:t>09/07/2021</a:t>
             </a:fld>
             <a:endParaRPr lang="fr-FR"/>
           </a:p>
@@ -2938,7 +2938,7 @@
           <a:p>
             <a:fld id="{7F22508A-905F-4345-BD66-372636CDC739}" type="datetimeFigureOut">
               <a:rPr lang="fr-FR" smtClean="0"/>
-              <a:t>08/07/2021</a:t>
+              <a:t>09/07/2021</a:t>
             </a:fld>
             <a:endParaRPr lang="fr-FR"/>
           </a:p>
@@ -11691,42 +11691,6 @@
           </a:prstGeom>
         </p:spPr>
       </p:pic>
-      <p:pic>
-        <p:nvPicPr>
-          <p:cNvPr id="4" name="Image 3" descr="Une image contenant nuit, sombre&#10;&#10;Description générée automatiquement">
-            <a:extLst>
-              <a:ext uri="{FF2B5EF4-FFF2-40B4-BE49-F238E27FC236}">
-                <a16:creationId xmlns:a16="http://schemas.microsoft.com/office/drawing/2014/main" id="{37CE4D1D-0024-407B-9374-F784DD60DDB2}"/>
-              </a:ext>
-            </a:extLst>
-          </p:cNvPr>
-          <p:cNvPicPr>
-            <a:picLocks noChangeAspect="1"/>
-          </p:cNvPicPr>
-          <p:nvPr/>
-        </p:nvPicPr>
-        <p:blipFill>
-          <a:blip r:embed="rId3">
-            <a:extLst>
-              <a:ext uri="{28A0092B-C50C-407E-A947-70E740481C1C}">
-                <a14:useLocalDpi xmlns:a14="http://schemas.microsoft.com/office/drawing/2010/main" val="0"/>
-              </a:ext>
-            </a:extLst>
-          </a:blip>
-          <a:stretch>
-            <a:fillRect/>
-          </a:stretch>
-        </p:blipFill>
-        <p:spPr>
-          <a:xfrm>
-            <a:off x="1027651" y="214877"/>
-            <a:ext cx="10424181" cy="6428245"/>
-          </a:xfrm>
-          <a:prstGeom prst="rect">
-            <a:avLst/>
-          </a:prstGeom>
-        </p:spPr>
-      </p:pic>
       <p:sp>
         <p:nvSpPr>
           <p:cNvPr id="7" name="ZoneTexte 6">
@@ -11768,6 +11732,42 @@
           </a:p>
         </p:txBody>
       </p:sp>
+      <p:pic>
+        <p:nvPicPr>
+          <p:cNvPr id="3" name="Image 2" descr="Une image contenant nuit, sombre&#10;&#10;Description générée automatiquement">
+            <a:extLst>
+              <a:ext uri="{FF2B5EF4-FFF2-40B4-BE49-F238E27FC236}">
+                <a16:creationId xmlns:a16="http://schemas.microsoft.com/office/drawing/2014/main" id="{88825EE6-8334-4011-9C06-A5132DA73768}"/>
+              </a:ext>
+            </a:extLst>
+          </p:cNvPr>
+          <p:cNvPicPr>
+            <a:picLocks noChangeAspect="1"/>
+          </p:cNvPicPr>
+          <p:nvPr/>
+        </p:nvPicPr>
+        <p:blipFill>
+          <a:blip r:embed="rId3">
+            <a:extLst>
+              <a:ext uri="{28A0092B-C50C-407E-A947-70E740481C1C}">
+                <a14:useLocalDpi xmlns:a14="http://schemas.microsoft.com/office/drawing/2010/main" val="0"/>
+              </a:ext>
+            </a:extLst>
+          </a:blip>
+          <a:stretch>
+            <a:fillRect/>
+          </a:stretch>
+        </p:blipFill>
+        <p:spPr>
+          <a:xfrm>
+            <a:off x="883909" y="216401"/>
+            <a:ext cx="10424181" cy="6425197"/>
+          </a:xfrm>
+          <a:prstGeom prst="rect">
+            <a:avLst/>
+          </a:prstGeom>
+        </p:spPr>
+      </p:pic>
     </p:spTree>
     <p:extLst>
       <p:ext uri="{BB962C8B-B14F-4D97-AF65-F5344CB8AC3E}">

--- a/P5_05_Presentation.pptx
+++ b/P5_05_Presentation.pptx
@@ -288,7 +288,7 @@
           <a:p>
             <a:fld id="{7F22508A-905F-4345-BD66-372636CDC739}" type="datetimeFigureOut">
               <a:rPr lang="fr-FR" smtClean="0"/>
-              <a:t>09/07/2021</a:t>
+              <a:t>12/07/2021</a:t>
             </a:fld>
             <a:endParaRPr lang="fr-FR"/>
           </a:p>
@@ -486,7 +486,7 @@
           <a:p>
             <a:fld id="{7F22508A-905F-4345-BD66-372636CDC739}" type="datetimeFigureOut">
               <a:rPr lang="fr-FR" smtClean="0"/>
-              <a:t>09/07/2021</a:t>
+              <a:t>12/07/2021</a:t>
             </a:fld>
             <a:endParaRPr lang="fr-FR"/>
           </a:p>
@@ -694,7 +694,7 @@
           <a:p>
             <a:fld id="{7F22508A-905F-4345-BD66-372636CDC739}" type="datetimeFigureOut">
               <a:rPr lang="fr-FR" smtClean="0"/>
-              <a:t>09/07/2021</a:t>
+              <a:t>12/07/2021</a:t>
             </a:fld>
             <a:endParaRPr lang="fr-FR"/>
           </a:p>
@@ -892,7 +892,7 @@
           <a:p>
             <a:fld id="{7F22508A-905F-4345-BD66-372636CDC739}" type="datetimeFigureOut">
               <a:rPr lang="fr-FR" smtClean="0"/>
-              <a:t>09/07/2021</a:t>
+              <a:t>12/07/2021</a:t>
             </a:fld>
             <a:endParaRPr lang="fr-FR"/>
           </a:p>
@@ -1167,7 +1167,7 @@
           <a:p>
             <a:fld id="{7F22508A-905F-4345-BD66-372636CDC739}" type="datetimeFigureOut">
               <a:rPr lang="fr-FR" smtClean="0"/>
-              <a:t>09/07/2021</a:t>
+              <a:t>12/07/2021</a:t>
             </a:fld>
             <a:endParaRPr lang="fr-FR"/>
           </a:p>
@@ -1432,7 +1432,7 @@
           <a:p>
             <a:fld id="{7F22508A-905F-4345-BD66-372636CDC739}" type="datetimeFigureOut">
               <a:rPr lang="fr-FR" smtClean="0"/>
-              <a:t>09/07/2021</a:t>
+              <a:t>12/07/2021</a:t>
             </a:fld>
             <a:endParaRPr lang="fr-FR"/>
           </a:p>
@@ -1844,7 +1844,7 @@
           <a:p>
             <a:fld id="{7F22508A-905F-4345-BD66-372636CDC739}" type="datetimeFigureOut">
               <a:rPr lang="fr-FR" smtClean="0"/>
-              <a:t>09/07/2021</a:t>
+              <a:t>12/07/2021</a:t>
             </a:fld>
             <a:endParaRPr lang="fr-FR"/>
           </a:p>
@@ -1985,7 +1985,7 @@
           <a:p>
             <a:fld id="{7F22508A-905F-4345-BD66-372636CDC739}" type="datetimeFigureOut">
               <a:rPr lang="fr-FR" smtClean="0"/>
-              <a:t>09/07/2021</a:t>
+              <a:t>12/07/2021</a:t>
             </a:fld>
             <a:endParaRPr lang="fr-FR"/>
           </a:p>
@@ -2098,7 +2098,7 @@
           <a:p>
             <a:fld id="{7F22508A-905F-4345-BD66-372636CDC739}" type="datetimeFigureOut">
               <a:rPr lang="fr-FR" smtClean="0"/>
-              <a:t>09/07/2021</a:t>
+              <a:t>12/07/2021</a:t>
             </a:fld>
             <a:endParaRPr lang="fr-FR"/>
           </a:p>
@@ -2409,7 +2409,7 @@
           <a:p>
             <a:fld id="{7F22508A-905F-4345-BD66-372636CDC739}" type="datetimeFigureOut">
               <a:rPr lang="fr-FR" smtClean="0"/>
-              <a:t>09/07/2021</a:t>
+              <a:t>12/07/2021</a:t>
             </a:fld>
             <a:endParaRPr lang="fr-FR"/>
           </a:p>
@@ -2697,7 +2697,7 @@
           <a:p>
             <a:fld id="{7F22508A-905F-4345-BD66-372636CDC739}" type="datetimeFigureOut">
               <a:rPr lang="fr-FR" smtClean="0"/>
-              <a:t>09/07/2021</a:t>
+              <a:t>12/07/2021</a:t>
             </a:fld>
             <a:endParaRPr lang="fr-FR"/>
           </a:p>
@@ -2938,7 +2938,7 @@
           <a:p>
             <a:fld id="{7F22508A-905F-4345-BD66-372636CDC739}" type="datetimeFigureOut">
               <a:rPr lang="fr-FR" smtClean="0"/>
-              <a:t>09/07/2021</a:t>
+              <a:t>12/07/2021</a:t>
             </a:fld>
             <a:endParaRPr lang="fr-FR"/>
           </a:p>
@@ -11734,10 +11734,10 @@
       </p:sp>
       <p:pic>
         <p:nvPicPr>
-          <p:cNvPr id="3" name="Image 2" descr="Une image contenant nuit, sombre&#10;&#10;Description générée automatiquement">
-            <a:extLst>
-              <a:ext uri="{FF2B5EF4-FFF2-40B4-BE49-F238E27FC236}">
-                <a16:creationId xmlns:a16="http://schemas.microsoft.com/office/drawing/2014/main" id="{88825EE6-8334-4011-9C06-A5132DA73768}"/>
+          <p:cNvPr id="4" name="Image 3" descr="Une image contenant texte, nuit, sombre&#10;&#10;Description générée automatiquement">
+            <a:extLst>
+              <a:ext uri="{FF2B5EF4-FFF2-40B4-BE49-F238E27FC236}">
+                <a16:creationId xmlns:a16="http://schemas.microsoft.com/office/drawing/2014/main" id="{39F2733F-8F81-4807-91E4-98DAE6402A77}"/>
               </a:ext>
             </a:extLst>
           </p:cNvPr>
@@ -11760,8 +11760,8 @@
         </p:blipFill>
         <p:spPr>
           <a:xfrm>
-            <a:off x="883909" y="216401"/>
-            <a:ext cx="10424181" cy="6425197"/>
+            <a:off x="883909" y="187445"/>
+            <a:ext cx="10424181" cy="6483109"/>
           </a:xfrm>
           <a:prstGeom prst="rect">
             <a:avLst/>
